--- a/13팀ppt.pptx
+++ b/13팀ppt.pptx
@@ -278,7 +278,7 @@
           <a:p>
             <a:fld id="{9958344D-4660-4A29-B68F-F7E700D32195}" type="datetimeFigureOut">
               <a:rPr lang="ko-KR" altLang="en-US" smtClean="0"/>
-              <a:t>2022-06-12</a:t>
+              <a:t>2022-06-13</a:t>
             </a:fld>
             <a:endParaRPr lang="ko-KR" altLang="en-US"/>
           </a:p>
@@ -476,7 +476,7 @@
           <a:p>
             <a:fld id="{9958344D-4660-4A29-B68F-F7E700D32195}" type="datetimeFigureOut">
               <a:rPr lang="ko-KR" altLang="en-US" smtClean="0"/>
-              <a:t>2022-06-12</a:t>
+              <a:t>2022-06-13</a:t>
             </a:fld>
             <a:endParaRPr lang="ko-KR" altLang="en-US"/>
           </a:p>
@@ -684,7 +684,7 @@
           <a:p>
             <a:fld id="{9958344D-4660-4A29-B68F-F7E700D32195}" type="datetimeFigureOut">
               <a:rPr lang="ko-KR" altLang="en-US" smtClean="0"/>
-              <a:t>2022-06-12</a:t>
+              <a:t>2022-06-13</a:t>
             </a:fld>
             <a:endParaRPr lang="ko-KR" altLang="en-US"/>
           </a:p>
@@ -882,7 +882,7 @@
           <a:p>
             <a:fld id="{9958344D-4660-4A29-B68F-F7E700D32195}" type="datetimeFigureOut">
               <a:rPr lang="ko-KR" altLang="en-US" smtClean="0"/>
-              <a:t>2022-06-12</a:t>
+              <a:t>2022-06-13</a:t>
             </a:fld>
             <a:endParaRPr lang="ko-KR" altLang="en-US"/>
           </a:p>
@@ -1157,7 +1157,7 @@
           <a:p>
             <a:fld id="{9958344D-4660-4A29-B68F-F7E700D32195}" type="datetimeFigureOut">
               <a:rPr lang="ko-KR" altLang="en-US" smtClean="0"/>
-              <a:t>2022-06-12</a:t>
+              <a:t>2022-06-13</a:t>
             </a:fld>
             <a:endParaRPr lang="ko-KR" altLang="en-US"/>
           </a:p>
@@ -1422,7 +1422,7 @@
           <a:p>
             <a:fld id="{9958344D-4660-4A29-B68F-F7E700D32195}" type="datetimeFigureOut">
               <a:rPr lang="ko-KR" altLang="en-US" smtClean="0"/>
-              <a:t>2022-06-12</a:t>
+              <a:t>2022-06-13</a:t>
             </a:fld>
             <a:endParaRPr lang="ko-KR" altLang="en-US"/>
           </a:p>
@@ -1834,7 +1834,7 @@
           <a:p>
             <a:fld id="{9958344D-4660-4A29-B68F-F7E700D32195}" type="datetimeFigureOut">
               <a:rPr lang="ko-KR" altLang="en-US" smtClean="0"/>
-              <a:t>2022-06-12</a:t>
+              <a:t>2022-06-13</a:t>
             </a:fld>
             <a:endParaRPr lang="ko-KR" altLang="en-US"/>
           </a:p>
@@ -1975,7 +1975,7 @@
           <a:p>
             <a:fld id="{9958344D-4660-4A29-B68F-F7E700D32195}" type="datetimeFigureOut">
               <a:rPr lang="ko-KR" altLang="en-US" smtClean="0"/>
-              <a:t>2022-06-12</a:t>
+              <a:t>2022-06-13</a:t>
             </a:fld>
             <a:endParaRPr lang="ko-KR" altLang="en-US"/>
           </a:p>
@@ -2088,7 +2088,7 @@
           <a:p>
             <a:fld id="{9958344D-4660-4A29-B68F-F7E700D32195}" type="datetimeFigureOut">
               <a:rPr lang="ko-KR" altLang="en-US" smtClean="0"/>
-              <a:t>2022-06-12</a:t>
+              <a:t>2022-06-13</a:t>
             </a:fld>
             <a:endParaRPr lang="ko-KR" altLang="en-US"/>
           </a:p>
@@ -2399,7 +2399,7 @@
           <a:p>
             <a:fld id="{9958344D-4660-4A29-B68F-F7E700D32195}" type="datetimeFigureOut">
               <a:rPr lang="ko-KR" altLang="en-US" smtClean="0"/>
-              <a:t>2022-06-12</a:t>
+              <a:t>2022-06-13</a:t>
             </a:fld>
             <a:endParaRPr lang="ko-KR" altLang="en-US"/>
           </a:p>
@@ -2687,7 +2687,7 @@
           <a:p>
             <a:fld id="{9958344D-4660-4A29-B68F-F7E700D32195}" type="datetimeFigureOut">
               <a:rPr lang="ko-KR" altLang="en-US" smtClean="0"/>
-              <a:t>2022-06-12</a:t>
+              <a:t>2022-06-13</a:t>
             </a:fld>
             <a:endParaRPr lang="ko-KR" altLang="en-US"/>
           </a:p>
@@ -2928,7 +2928,7 @@
           <a:p>
             <a:fld id="{9958344D-4660-4A29-B68F-F7E700D32195}" type="datetimeFigureOut">
               <a:rPr lang="ko-KR" altLang="en-US" smtClean="0"/>
-              <a:t>2022-06-12</a:t>
+              <a:t>2022-06-13</a:t>
             </a:fld>
             <a:endParaRPr lang="ko-KR" altLang="en-US"/>
           </a:p>
@@ -4000,7 +4000,9 @@
             </a:schemeClr>
           </a:solidFill>
           <a:ln>
-            <a:noFill/>
+            <a:solidFill>
+              <a:schemeClr val="bg1"/>
+            </a:solidFill>
           </a:ln>
         </p:spPr>
         <p:style>
@@ -4058,7 +4060,9 @@
             </a:schemeClr>
           </a:solidFill>
           <a:ln>
-            <a:noFill/>
+            <a:solidFill>
+              <a:schemeClr val="bg1"/>
+            </a:solidFill>
           </a:ln>
         </p:spPr>
         <p:style>
@@ -4434,7 +4438,9 @@
             </a:schemeClr>
           </a:solidFill>
           <a:ln>
-            <a:noFill/>
+            <a:solidFill>
+              <a:schemeClr val="bg1"/>
+            </a:solidFill>
           </a:ln>
         </p:spPr>
         <p:style>
@@ -4492,7 +4498,9 @@
             </a:schemeClr>
           </a:solidFill>
           <a:ln>
-            <a:noFill/>
+            <a:solidFill>
+              <a:schemeClr val="bg1"/>
+            </a:solidFill>
           </a:ln>
         </p:spPr>
         <p:style>
@@ -4887,7 +4895,9 @@
             </a:schemeClr>
           </a:solidFill>
           <a:ln>
-            <a:noFill/>
+            <a:solidFill>
+              <a:schemeClr val="bg1"/>
+            </a:solidFill>
           </a:ln>
         </p:spPr>
         <p:style>
@@ -4945,7 +4955,9 @@
             </a:schemeClr>
           </a:solidFill>
           <a:ln>
-            <a:noFill/>
+            <a:solidFill>
+              <a:schemeClr val="bg1"/>
+            </a:solidFill>
           </a:ln>
         </p:spPr>
         <p:style>
